--- a/Lectures/Chapter4-DLP/OP-Chapter4-Part2.pptx
+++ b/Lectures/Chapter4-DLP/OP-Chapter4-Part2.pptx
@@ -1037,7 +1037,7 @@
                   <a:spcPct val="0"/>
                 </a:spcBef>
               </a:pPr>
-              <a:t>17 August 2022</a:t>
+              <a:t>18 August 2022</a:t>
             </a:fld>
             <a:endParaRPr lang="en-US" altLang="en-US"/>
           </a:p>
@@ -2337,7 +2337,7 @@
             <a:fld id="{E185B602-EC70-3C41-B8F8-967E86CE9702}" type="datetime3">
               <a:rPr lang="en-US" altLang="en-US" sz="1200" smtClean="0"/>
               <a:pPr/>
-              <a:t>17 August 2022</a:t>
+              <a:t>18 August 2022</a:t>
             </a:fld>
             <a:endParaRPr lang="en-US" altLang="en-US" sz="1200"/>
           </a:p>
@@ -3321,7 +3321,7 @@
             <a:fld id="{B720CA85-C7D2-9C48-ABE2-77158F992FF7}" type="datetime3">
               <a:rPr lang="en-US" altLang="en-US" sz="1200" smtClean="0"/>
               <a:pPr/>
-              <a:t>17 August 2022</a:t>
+              <a:t>18 August 2022</a:t>
             </a:fld>
             <a:endParaRPr lang="en-US" altLang="en-US" sz="1200"/>
           </a:p>
@@ -4044,7 +4044,7 @@
             <a:fld id="{FC6DF281-D319-2042-B93E-BFBAA0CFEF50}" type="datetime3">
               <a:rPr lang="en-US" altLang="en-US" sz="1200" smtClean="0"/>
               <a:pPr/>
-              <a:t>17 August 2022</a:t>
+              <a:t>18 August 2022</a:t>
             </a:fld>
             <a:endParaRPr lang="en-US" altLang="en-US" sz="1200"/>
           </a:p>
@@ -5177,7 +5177,7 @@
             <a:fld id="{34C4701F-7D23-0D41-9BE4-29D8DD169203}" type="datetime3">
               <a:rPr lang="en-US" altLang="en-US" sz="1200" smtClean="0"/>
               <a:pPr/>
-              <a:t>17 August 2022</a:t>
+              <a:t>18 August 2022</a:t>
             </a:fld>
             <a:endParaRPr lang="en-US" altLang="en-US" sz="1200"/>
           </a:p>
@@ -5969,7 +5969,7 @@
             <a:fld id="{504972ED-7B4F-F24D-9397-0149FE51451E}" type="datetime3">
               <a:rPr lang="en-US" altLang="en-US" sz="1200" smtClean="0"/>
               <a:pPr/>
-              <a:t>17 August 2022</a:t>
+              <a:t>18 August 2022</a:t>
             </a:fld>
             <a:endParaRPr lang="en-US" altLang="en-US" sz="1200"/>
           </a:p>
@@ -6755,7 +6755,7 @@
             <a:fld id="{B5D60991-82D6-DE42-9775-FF9E5AA7A541}" type="datetime3">
               <a:rPr lang="en-US" altLang="en-US" sz="1200" smtClean="0"/>
               <a:pPr/>
-              <a:t>17 August 2022</a:t>
+              <a:t>18 August 2022</a:t>
             </a:fld>
             <a:endParaRPr lang="en-US" altLang="en-US" sz="1200"/>
           </a:p>
@@ -7670,7 +7670,7 @@
             <a:fld id="{148F02F9-9962-DC47-B15A-D4FAECB93A72}" type="datetime3">
               <a:rPr lang="en-US" altLang="en-US" sz="1200" smtClean="0"/>
               <a:pPr/>
-              <a:t>17 August 2022</a:t>
+              <a:t>18 August 2022</a:t>
             </a:fld>
             <a:endParaRPr lang="en-US" altLang="en-US" sz="1200"/>
           </a:p>
@@ -8977,7 +8977,7 @@
             <a:fld id="{8D5C6D45-DBB9-3E4D-9B36-0BAC821E6C73}" type="datetime3">
               <a:rPr lang="en-US" altLang="en-US" sz="1200" smtClean="0"/>
               <a:pPr/>
-              <a:t>17 August 2022</a:t>
+              <a:t>18 August 2022</a:t>
             </a:fld>
             <a:endParaRPr lang="en-US" altLang="en-US" sz="1200"/>
           </a:p>
@@ -9746,7 +9746,7 @@
             <a:fld id="{657D4CF3-FE9E-CE4E-ACFC-9FD4E5609AAF}" type="datetime3">
               <a:rPr lang="en-US" altLang="en-US" sz="1200" smtClean="0"/>
               <a:pPr/>
-              <a:t>17 August 2022</a:t>
+              <a:t>18 August 2022</a:t>
             </a:fld>
             <a:endParaRPr lang="en-US" altLang="en-US" sz="1200"/>
           </a:p>
@@ -10581,7 +10581,7 @@
             <a:fld id="{5C2CC746-08CE-8B40-B1E4-C8F4D4C58E62}" type="datetime3">
               <a:rPr lang="en-US" altLang="en-US" sz="1200" smtClean="0"/>
               <a:pPr/>
-              <a:t>17 August 2022</a:t>
+              <a:t>18 August 2022</a:t>
             </a:fld>
             <a:endParaRPr lang="en-US" altLang="en-US" sz="1200"/>
           </a:p>
@@ -16373,10 +16373,10 @@
       </p:sp>
       <p:sp>
         <p:nvSpPr>
-          <p:cNvPr id="6" name="TextBox 5">
+          <p:cNvPr id="2" name="TextBox 1">
             <a:extLst>
               <a:ext uri="{FF2B5EF4-FFF2-40B4-BE49-F238E27FC236}">
-                <a16:creationId xmlns:a16="http://schemas.microsoft.com/office/drawing/2014/main" id="{8A0E4377-D9B0-AA46-8138-1B44641BA055}"/>
+                <a16:creationId xmlns:a16="http://schemas.microsoft.com/office/drawing/2014/main" id="{AF0A5923-BC90-77EB-F905-9A30BD31293C}"/>
               </a:ext>
             </a:extLst>
           </p:cNvPr>
@@ -16385,8 +16385,8 @@
         </p:nvSpPr>
         <p:spPr>
           <a:xfrm>
-            <a:off x="3558313" y="4326710"/>
-            <a:ext cx="5132388" cy="2246769"/>
+            <a:off x="3568732" y="4072710"/>
+            <a:ext cx="5132388" cy="2462213"/>
           </a:xfrm>
           <a:prstGeom prst="rect">
             <a:avLst/>
@@ -16411,7 +16411,25 @@
                 </a:solidFill>
                 <a:latin typeface="Candara" panose="020E0502030303020204" pitchFamily="34" charset="0"/>
               </a:rPr>
-              <a:t>“Who’s first?” </a:t>
+              <a:t>“We call these algorithms </a:t>
+            </a:r>
+            <a:r>
+              <a:rPr lang="en-US" sz="1400" i="1" dirty="0">
+                <a:solidFill>
+                  <a:schemeClr val="bg2"/>
+                </a:solidFill>
+                <a:latin typeface="Candara" panose="020E0502030303020204" pitchFamily="34" charset="0"/>
+              </a:rPr>
+              <a:t>data parallel </a:t>
+            </a:r>
+            <a:r>
+              <a:rPr lang="en-US" sz="1400" dirty="0">
+                <a:solidFill>
+                  <a:schemeClr val="bg2"/>
+                </a:solidFill>
+                <a:latin typeface="Candara" panose="020E0502030303020204" pitchFamily="34" charset="0"/>
+              </a:rPr>
+              <a:t>algorithms because their parallelism comes from simultaneous operations across large sets of data, rather than from multiple thread of control.”</a:t>
             </a:r>
           </a:p>
           <a:p>
@@ -16427,7 +16445,7 @@
                 </a:solidFill>
                 <a:latin typeface="Candara" panose="020E0502030303020204" pitchFamily="34" charset="0"/>
               </a:rPr>
-              <a:t>“America.”</a:t>
+              <a:t>	- W. Daniel Hillis and Guy L. Steele</a:t>
             </a:r>
           </a:p>
           <a:p>
@@ -16443,7 +16461,25 @@
                 </a:solidFill>
                 <a:latin typeface="Candara" panose="020E0502030303020204" pitchFamily="34" charset="0"/>
               </a:rPr>
-              <a:t>“Who’s second?”</a:t>
+              <a:t>	”Data Parallel Algorithms,” </a:t>
+            </a:r>
+            <a:r>
+              <a:rPr lang="en-US" sz="1400" i="1" dirty="0">
+                <a:solidFill>
+                  <a:schemeClr val="bg2"/>
+                </a:solidFill>
+                <a:latin typeface="Candara" panose="020E0502030303020204" pitchFamily="34" charset="0"/>
+              </a:rPr>
+              <a:t>Comm. ACM </a:t>
+            </a:r>
+            <a:r>
+              <a:rPr lang="en-US" sz="1400" dirty="0">
+                <a:solidFill>
+                  <a:schemeClr val="bg2"/>
+                </a:solidFill>
+                <a:latin typeface="Candara" panose="020E0502030303020204" pitchFamily="34" charset="0"/>
+              </a:rPr>
+              <a:t>(1986)</a:t>
             </a:r>
           </a:p>
           <a:p>
@@ -16452,18 +16488,15 @@
                 <a:tab pos="4852988" algn="r"/>
               </a:tabLst>
             </a:pPr>
-            <a:r>
-              <a:rPr lang="en-US" sz="1400" dirty="0">
-                <a:solidFill>
-                  <a:schemeClr val="bg2"/>
-                </a:solidFill>
-                <a:latin typeface="Candara" panose="020E0502030303020204" pitchFamily="34" charset="0"/>
-              </a:rPr>
-              <a:t>“Sir, there is no second.”</a:t>
-            </a:r>
-          </a:p>
-          <a:p>
-            <a:pPr marL="917575">
+            <a:endParaRPr lang="en-US" sz="1400" dirty="0">
+              <a:solidFill>
+                <a:schemeClr val="bg2"/>
+              </a:solidFill>
+              <a:latin typeface="Candara" panose="020E0502030303020204" pitchFamily="34" charset="0"/>
+            </a:endParaRPr>
+          </a:p>
+          <a:p>
+            <a:pPr>
               <a:tabLst>
                 <a:tab pos="4852988" algn="r"/>
               </a:tabLst>
@@ -16475,17 +16508,31 @@
                 </a:solidFill>
                 <a:latin typeface="Candara" panose="020E0502030303020204" pitchFamily="34" charset="0"/>
               </a:rPr>
-              <a:t>-Dialog between two observers of the sailing race later named “The America’s Cup” and run every few years -- the inspiration for John </a:t>
-            </a:r>
-            <a:r>
-              <a:rPr lang="en-US" sz="1400" dirty="0" err="1">
+              <a:t>“If you were plowing a field, which would you rather use, two strong oxen or 1024 chickens?”</a:t>
+            </a:r>
+          </a:p>
+          <a:p>
+            <a:pPr>
+              <a:tabLst>
+                <a:tab pos="4852988" algn="r"/>
+              </a:tabLst>
+            </a:pPr>
+            <a:r>
+              <a:rPr lang="en-US" sz="1400" dirty="0">
                 <a:solidFill>
                   <a:schemeClr val="bg2"/>
                 </a:solidFill>
                 <a:latin typeface="Candara" panose="020E0502030303020204" pitchFamily="34" charset="0"/>
               </a:rPr>
-              <a:t>Cocke’s</a:t>
-            </a:r>
+              <a:t>	- Seymour Cray, Father of the Supercomputer</a:t>
+            </a:r>
+          </a:p>
+          <a:p>
+            <a:pPr>
+              <a:tabLst>
+                <a:tab pos="4852988" algn="r"/>
+              </a:tabLst>
+            </a:pPr>
             <a:r>
               <a:rPr lang="en-US" sz="1400" dirty="0">
                 <a:solidFill>
@@ -16493,7 +16540,23 @@
                 </a:solidFill>
                 <a:latin typeface="Candara" panose="020E0502030303020204" pitchFamily="34" charset="0"/>
               </a:rPr>
-              <a:t> naming of the IBM research processor as “America.” This processor was the precursor to the RS/6000 series and the first superscalar microprocessor.</a:t>
+              <a:t>	(arguing for two powerful vector processors </a:t>
+            </a:r>
+          </a:p>
+          <a:p>
+            <a:pPr>
+              <a:tabLst>
+                <a:tab pos="4852988" algn="r"/>
+              </a:tabLst>
+            </a:pPr>
+            <a:r>
+              <a:rPr lang="en-US" sz="1400" dirty="0">
+                <a:solidFill>
+                  <a:schemeClr val="bg2"/>
+                </a:solidFill>
+                <a:latin typeface="Candara" panose="020E0502030303020204" pitchFamily="34" charset="0"/>
+              </a:rPr>
+              <a:t>	versus many simple processors)</a:t>
             </a:r>
           </a:p>
         </p:txBody>
@@ -21781,7 +21844,7 @@
           <a:effectLst/>
           <a:extLst>
             <a:ext uri="{AF507438-7753-43e0-B8FC-AC1667EBCBE1}">
-              <a14:hiddenEffects xmlns="" xmlns:a14="http://schemas.microsoft.com/office/drawing/2010/main">
+              <a14:hiddenEffects xmlns:a14="http://schemas.microsoft.com/office/drawing/2010/main" xmlns="">
                 <a:effectLst>
                   <a:outerShdw blurRad="63500" dist="38099" dir="2700000" algn="ctr" rotWithShape="0">
                     <a:schemeClr val="bg2">
@@ -21880,12 +21943,12 @@
           <a:effectLst/>
           <a:extLst>
             <a:ext uri="{909E8E84-426E-40dd-AFC4-6F175D3DCCD1}">
-              <a14:hiddenFill xmlns="" xmlns:a14="http://schemas.microsoft.com/office/drawing/2010/main">
+              <a14:hiddenFill xmlns:a14="http://schemas.microsoft.com/office/drawing/2010/main" xmlns="">
                 <a:noFill/>
               </a14:hiddenFill>
             </a:ext>
             <a:ext uri="{AF507438-7753-43e0-B8FC-AC1667EBCBE1}">
-              <a14:hiddenEffects xmlns="" xmlns:a14="http://schemas.microsoft.com/office/drawing/2010/main">
+              <a14:hiddenEffects xmlns:a14="http://schemas.microsoft.com/office/drawing/2010/main" xmlns="">
                 <a:effectLst>
                   <a:outerShdw blurRad="63500" dist="38099" dir="2700000" algn="ctr" rotWithShape="0">
                     <a:schemeClr val="bg2">
@@ -21945,12 +22008,12 @@
           <a:effectLst/>
           <a:extLst>
             <a:ext uri="{909E8E84-426E-40dd-AFC4-6F175D3DCCD1}">
-              <a14:hiddenFill xmlns="" xmlns:a14="http://schemas.microsoft.com/office/drawing/2010/main">
+              <a14:hiddenFill xmlns:a14="http://schemas.microsoft.com/office/drawing/2010/main" xmlns="">
                 <a:noFill/>
               </a14:hiddenFill>
             </a:ext>
             <a:ext uri="{AF507438-7753-43e0-B8FC-AC1667EBCBE1}">
-              <a14:hiddenEffects xmlns="" xmlns:a14="http://schemas.microsoft.com/office/drawing/2010/main">
+              <a14:hiddenEffects xmlns:a14="http://schemas.microsoft.com/office/drawing/2010/main" xmlns="">
                 <a:effectLst>
                   <a:outerShdw blurRad="63500" dist="38099" dir="2700000" algn="ctr" rotWithShape="0">
                     <a:schemeClr val="bg2">
@@ -22010,14 +22073,14 @@
           <a:effectLst/>
           <a:extLst>
             <a:ext uri="{909E8E84-426E-40dd-AFC4-6F175D3DCCD1}">
-              <a14:hiddenFill xmlns="" xmlns:a14="http://schemas.microsoft.com/office/drawing/2010/main">
+              <a14:hiddenFill xmlns:a14="http://schemas.microsoft.com/office/drawing/2010/main" xmlns="">
                 <a:solidFill>
                   <a:schemeClr val="bg1"/>
                 </a:solidFill>
               </a14:hiddenFill>
             </a:ext>
             <a:ext uri="{AF507438-7753-43e0-B8FC-AC1667EBCBE1}">
-              <a14:hiddenEffects xmlns="" xmlns:a14="http://schemas.microsoft.com/office/drawing/2010/main">
+              <a14:hiddenEffects xmlns:a14="http://schemas.microsoft.com/office/drawing/2010/main" xmlns="">
                 <a:effectLst>
                   <a:outerShdw blurRad="63500" dist="38099" dir="2700000" algn="ctr" rotWithShape="0">
                     <a:schemeClr val="bg2">
@@ -22192,12 +22255,12 @@
           <a:effectLst/>
           <a:extLst>
             <a:ext uri="{909E8E84-426E-40dd-AFC4-6F175D3DCCD1}">
-              <a14:hiddenFill xmlns="" xmlns:a14="http://schemas.microsoft.com/office/drawing/2010/main">
+              <a14:hiddenFill xmlns:a14="http://schemas.microsoft.com/office/drawing/2010/main" xmlns="">
                 <a:noFill/>
               </a14:hiddenFill>
             </a:ext>
             <a:ext uri="{AF507438-7753-43e0-B8FC-AC1667EBCBE1}">
-              <a14:hiddenEffects xmlns="" xmlns:a14="http://schemas.microsoft.com/office/drawing/2010/main">
+              <a14:hiddenEffects xmlns:a14="http://schemas.microsoft.com/office/drawing/2010/main" xmlns="">
                 <a:effectLst>
                   <a:outerShdw blurRad="63500" dist="38099" dir="2700000" algn="ctr" rotWithShape="0">
                     <a:schemeClr val="bg2">
@@ -22257,12 +22320,12 @@
           <a:effectLst/>
           <a:extLst>
             <a:ext uri="{909E8E84-426E-40dd-AFC4-6F175D3DCCD1}">
-              <a14:hiddenFill xmlns="" xmlns:a14="http://schemas.microsoft.com/office/drawing/2010/main">
+              <a14:hiddenFill xmlns:a14="http://schemas.microsoft.com/office/drawing/2010/main" xmlns="">
                 <a:noFill/>
               </a14:hiddenFill>
             </a:ext>
             <a:ext uri="{AF507438-7753-43e0-B8FC-AC1667EBCBE1}">
-              <a14:hiddenEffects xmlns="" xmlns:a14="http://schemas.microsoft.com/office/drawing/2010/main">
+              <a14:hiddenEffects xmlns:a14="http://schemas.microsoft.com/office/drawing/2010/main" xmlns="">
                 <a:effectLst>
                   <a:outerShdw blurRad="63500" dist="38099" dir="2700000" algn="ctr" rotWithShape="0">
                     <a:schemeClr val="bg2">
@@ -22322,12 +22385,12 @@
           <a:effectLst/>
           <a:extLst>
             <a:ext uri="{909E8E84-426E-40dd-AFC4-6F175D3DCCD1}">
-              <a14:hiddenFill xmlns="" xmlns:a14="http://schemas.microsoft.com/office/drawing/2010/main">
+              <a14:hiddenFill xmlns:a14="http://schemas.microsoft.com/office/drawing/2010/main" xmlns="">
                 <a:noFill/>
               </a14:hiddenFill>
             </a:ext>
             <a:ext uri="{AF507438-7753-43e0-B8FC-AC1667EBCBE1}">
-              <a14:hiddenEffects xmlns="" xmlns:a14="http://schemas.microsoft.com/office/drawing/2010/main">
+              <a14:hiddenEffects xmlns:a14="http://schemas.microsoft.com/office/drawing/2010/main" xmlns="">
                 <a:effectLst>
                   <a:outerShdw blurRad="63500" dist="38099" dir="2700000" algn="ctr" rotWithShape="0">
                     <a:schemeClr val="bg2">
